--- a/Docs/Handout.pptx
+++ b/Docs/Handout.pptx
@@ -104,6 +104,11 @@
       </a:defRPr>
     </a:lvl9pPr>
   </p:defaultTextStyle>
+  <p:extLst>
+    <p:ext uri="{EFAFB233-063F-42B5-8137-9DF3F51BA10A}">
+      <p15:sldGuideLst xmlns:p15="http://schemas.microsoft.com/office/powerpoint/2012/main"/>
+    </p:ext>
+  </p:extLst>
 </p:presentation>
 </file>
 
@@ -256,7 +261,7 @@
           <a:p>
             <a:fld id="{94AE5E61-1A2F-4524-BE47-907ECD37A8E5}" type="datetimeFigureOut">
               <a:rPr lang="en-CA" smtClean="0"/>
-              <a:t>2018-12-18</a:t>
+              <a:t>2019-01-21</a:t>
             </a:fld>
             <a:endParaRPr lang="en-CA"/>
           </a:p>
@@ -456,7 +461,7 @@
           <a:p>
             <a:fld id="{94AE5E61-1A2F-4524-BE47-907ECD37A8E5}" type="datetimeFigureOut">
               <a:rPr lang="en-CA" smtClean="0"/>
-              <a:t>2018-12-18</a:t>
+              <a:t>2019-01-21</a:t>
             </a:fld>
             <a:endParaRPr lang="en-CA"/>
           </a:p>
@@ -666,7 +671,7 @@
           <a:p>
             <a:fld id="{94AE5E61-1A2F-4524-BE47-907ECD37A8E5}" type="datetimeFigureOut">
               <a:rPr lang="en-CA" smtClean="0"/>
-              <a:t>2018-12-18</a:t>
+              <a:t>2019-01-21</a:t>
             </a:fld>
             <a:endParaRPr lang="en-CA"/>
           </a:p>
@@ -866,7 +871,7 @@
           <a:p>
             <a:fld id="{94AE5E61-1A2F-4524-BE47-907ECD37A8E5}" type="datetimeFigureOut">
               <a:rPr lang="en-CA" smtClean="0"/>
-              <a:t>2018-12-18</a:t>
+              <a:t>2019-01-21</a:t>
             </a:fld>
             <a:endParaRPr lang="en-CA"/>
           </a:p>
@@ -1142,7 +1147,7 @@
           <a:p>
             <a:fld id="{94AE5E61-1A2F-4524-BE47-907ECD37A8E5}" type="datetimeFigureOut">
               <a:rPr lang="en-CA" smtClean="0"/>
-              <a:t>2018-12-18</a:t>
+              <a:t>2019-01-21</a:t>
             </a:fld>
             <a:endParaRPr lang="en-CA"/>
           </a:p>
@@ -1410,7 +1415,7 @@
           <a:p>
             <a:fld id="{94AE5E61-1A2F-4524-BE47-907ECD37A8E5}" type="datetimeFigureOut">
               <a:rPr lang="en-CA" smtClean="0"/>
-              <a:t>2018-12-18</a:t>
+              <a:t>2019-01-21</a:t>
             </a:fld>
             <a:endParaRPr lang="en-CA"/>
           </a:p>
@@ -1825,7 +1830,7 @@
           <a:p>
             <a:fld id="{94AE5E61-1A2F-4524-BE47-907ECD37A8E5}" type="datetimeFigureOut">
               <a:rPr lang="en-CA" smtClean="0"/>
-              <a:t>2018-12-18</a:t>
+              <a:t>2019-01-21</a:t>
             </a:fld>
             <a:endParaRPr lang="en-CA"/>
           </a:p>
@@ -1967,7 +1972,7 @@
           <a:p>
             <a:fld id="{94AE5E61-1A2F-4524-BE47-907ECD37A8E5}" type="datetimeFigureOut">
               <a:rPr lang="en-CA" smtClean="0"/>
-              <a:t>2018-12-18</a:t>
+              <a:t>2019-01-21</a:t>
             </a:fld>
             <a:endParaRPr lang="en-CA"/>
           </a:p>
@@ -2080,7 +2085,7 @@
           <a:p>
             <a:fld id="{94AE5E61-1A2F-4524-BE47-907ECD37A8E5}" type="datetimeFigureOut">
               <a:rPr lang="en-CA" smtClean="0"/>
-              <a:t>2018-12-18</a:t>
+              <a:t>2019-01-21</a:t>
             </a:fld>
             <a:endParaRPr lang="en-CA"/>
           </a:p>
@@ -2393,7 +2398,7 @@
           <a:p>
             <a:fld id="{94AE5E61-1A2F-4524-BE47-907ECD37A8E5}" type="datetimeFigureOut">
               <a:rPr lang="en-CA" smtClean="0"/>
-              <a:t>2018-12-18</a:t>
+              <a:t>2019-01-21</a:t>
             </a:fld>
             <a:endParaRPr lang="en-CA"/>
           </a:p>
@@ -2682,7 +2687,7 @@
           <a:p>
             <a:fld id="{94AE5E61-1A2F-4524-BE47-907ECD37A8E5}" type="datetimeFigureOut">
               <a:rPr lang="en-CA" smtClean="0"/>
-              <a:t>2018-12-18</a:t>
+              <a:t>2019-01-21</a:t>
             </a:fld>
             <a:endParaRPr lang="en-CA"/>
           </a:p>
@@ -2925,7 +2930,7 @@
           <a:p>
             <a:fld id="{94AE5E61-1A2F-4524-BE47-907ECD37A8E5}" type="datetimeFigureOut">
               <a:rPr lang="en-CA" smtClean="0"/>
-              <a:t>2018-12-18</a:t>
+              <a:t>2019-01-21</a:t>
             </a:fld>
             <a:endParaRPr lang="en-CA"/>
           </a:p>
@@ -3507,7 +3512,7 @@
                   <a:srgbClr val="000000"/>
                 </a:solidFill>
               </a:rPr>
-              <a:t>High Power Distance</a:t>
+              <a:t>Hierarchy</a:t>
             </a:r>
             <a:endParaRPr lang="en-US" altLang="en-US" sz="200" dirty="0">
               <a:solidFill>
@@ -4273,7 +4278,7 @@
                   <a:srgbClr val="000000"/>
                 </a:solidFill>
               </a:rPr>
-              <a:t>Individualism</a:t>
+              <a:t>Individual</a:t>
             </a:r>
             <a:endParaRPr lang="en-US" altLang="en-US" sz="200" dirty="0">
               <a:solidFill>
@@ -4650,7 +4655,7 @@
         <p:spPr bwMode="auto">
           <a:xfrm>
             <a:off x="8460000" y="1980000"/>
-            <a:ext cx="2880000" cy="708025"/>
+            <a:ext cx="2880000" cy="400110"/>
           </a:xfrm>
           <a:prstGeom prst="rect">
             <a:avLst/>
@@ -4798,7 +4803,7 @@
                   <a:srgbClr val="000000"/>
                 </a:solidFill>
               </a:rPr>
-              <a:t>Low Power Distance</a:t>
+              <a:t>Equality</a:t>
             </a:r>
             <a:endParaRPr lang="en-US" altLang="en-US" sz="200" dirty="0">
               <a:solidFill>
@@ -5148,7 +5153,7 @@
                   <a:srgbClr val="000000"/>
                 </a:solidFill>
               </a:rPr>
-              <a:t>Collectivism</a:t>
+              <a:t>Group</a:t>
             </a:r>
             <a:endParaRPr lang="en-US" altLang="en-US" sz="200" dirty="0">
               <a:solidFill>
